--- a/基础PPT/JavaSE进阶第二版/第8章：Java并发基础.pptx
+++ b/基础PPT/JavaSE进阶第二版/第8章：Java并发基础.pptx
@@ -13049,6 +13049,24 @@
           <a:p>
             <a:pPr algn="l"/>
             <a:r>
+              <a:rPr lang="en-US" altLang="zh-CN">
+                <a:latin typeface="+mj-ea"/>
+                <a:ea typeface="+mj-ea"/>
+                <a:cs typeface="+mj-ea"/>
+                <a:sym typeface="+mn-ea"/>
+              </a:rPr>
+              <a:t>2</a:t>
+            </a:r>
+            <a:r>
+              <a:rPr lang="zh-CN" altLang="en-US">
+                <a:latin typeface="+mj-ea"/>
+                <a:ea typeface="+mj-ea"/>
+                <a:cs typeface="+mj-ea"/>
+                <a:sym typeface="+mn-ea"/>
+              </a:rPr>
+              <a:t>、</a:t>
+            </a:r>
+            <a:r>
               <a:rPr lang="zh-CN" altLang="en-US">
                 <a:latin typeface="+mj-ea"/>
                 <a:ea typeface="+mj-ea"/>
@@ -13086,6 +13104,24 @@
           <a:p>
             <a:pPr algn="l"/>
             <a:r>
+              <a:rPr lang="en-US" altLang="zh-CN">
+                <a:latin typeface="+mj-ea"/>
+                <a:ea typeface="+mj-ea"/>
+                <a:cs typeface="+mj-ea"/>
+                <a:sym typeface="+mn-ea"/>
+              </a:rPr>
+              <a:t>3</a:t>
+            </a:r>
+            <a:r>
+              <a:rPr lang="zh-CN" altLang="en-US">
+                <a:latin typeface="+mj-ea"/>
+                <a:ea typeface="+mj-ea"/>
+                <a:cs typeface="+mj-ea"/>
+                <a:sym typeface="+mn-ea"/>
+              </a:rPr>
+              <a:t>、</a:t>
+            </a:r>
+            <a:r>
               <a:rPr lang="zh-CN" altLang="en-US">
                 <a:latin typeface="+mj-ea"/>
                 <a:ea typeface="+mj-ea"/>
@@ -13121,6 +13157,24 @@
           <a:p>
             <a:pPr algn="l"/>
             <a:r>
+              <a:rPr lang="en-US" altLang="zh-CN">
+                <a:latin typeface="+mj-ea"/>
+                <a:ea typeface="+mj-ea"/>
+                <a:cs typeface="+mj-ea"/>
+                <a:sym typeface="+mn-ea"/>
+              </a:rPr>
+              <a:t>4</a:t>
+            </a:r>
+            <a:r>
+              <a:rPr lang="zh-CN" altLang="en-US">
+                <a:latin typeface="+mj-ea"/>
+                <a:ea typeface="+mj-ea"/>
+                <a:cs typeface="+mj-ea"/>
+                <a:sym typeface="+mn-ea"/>
+              </a:rPr>
+              <a:t>、</a:t>
+            </a:r>
+            <a:r>
               <a:rPr lang="zh-CN" altLang="en-US">
                 <a:latin typeface="+mj-ea"/>
                 <a:ea typeface="+mj-ea"/>
@@ -13158,6 +13212,24 @@
           <a:p>
             <a:pPr algn="l"/>
             <a:r>
+              <a:rPr lang="en-US" altLang="zh-CN">
+                <a:latin typeface="+mj-ea"/>
+                <a:ea typeface="+mj-ea"/>
+                <a:cs typeface="+mj-ea"/>
+                <a:sym typeface="+mn-ea"/>
+              </a:rPr>
+              <a:t>5</a:t>
+            </a:r>
+            <a:r>
+              <a:rPr lang="zh-CN" altLang="en-US">
+                <a:latin typeface="+mj-ea"/>
+                <a:ea typeface="+mj-ea"/>
+                <a:cs typeface="+mj-ea"/>
+                <a:sym typeface="+mn-ea"/>
+              </a:rPr>
+              <a:t>、</a:t>
+            </a:r>
+            <a:r>
               <a:rPr lang="zh-CN" altLang="en-US">
                 <a:latin typeface="+mj-ea"/>
                 <a:ea typeface="+mj-ea"/>
@@ -13193,6 +13265,24 @@
           <a:p>
             <a:pPr algn="l"/>
             <a:r>
+              <a:rPr lang="en-US" altLang="zh-CN">
+                <a:latin typeface="+mj-ea"/>
+                <a:ea typeface="+mj-ea"/>
+                <a:cs typeface="+mj-ea"/>
+                <a:sym typeface="+mn-ea"/>
+              </a:rPr>
+              <a:t>1</a:t>
+            </a:r>
+            <a:r>
+              <a:rPr lang="zh-CN" altLang="en-US">
+                <a:latin typeface="+mj-ea"/>
+                <a:ea typeface="+mj-ea"/>
+                <a:cs typeface="+mj-ea"/>
+                <a:sym typeface="+mn-ea"/>
+              </a:rPr>
+              <a:t>、</a:t>
+            </a:r>
+            <a:r>
               <a:rPr lang="zh-CN" altLang="en-US">
                 <a:latin typeface="+mj-ea"/>
                 <a:ea typeface="+mj-ea"/>
@@ -13230,6 +13320,24 @@
           <a:p>
             <a:pPr algn="l"/>
             <a:r>
+              <a:rPr lang="en-US" altLang="zh-CN">
+                <a:latin typeface="+mj-ea"/>
+                <a:ea typeface="+mj-ea"/>
+                <a:cs typeface="+mj-ea"/>
+                <a:sym typeface="+mn-ea"/>
+              </a:rPr>
+              <a:t>8</a:t>
+            </a:r>
+            <a:r>
+              <a:rPr lang="zh-CN" altLang="en-US">
+                <a:latin typeface="+mj-ea"/>
+                <a:ea typeface="+mj-ea"/>
+                <a:cs typeface="+mj-ea"/>
+                <a:sym typeface="+mn-ea"/>
+              </a:rPr>
+              <a:t>、</a:t>
+            </a:r>
+            <a:r>
               <a:rPr lang="zh-CN" altLang="en-US">
                 <a:latin typeface="+mj-ea"/>
                 <a:ea typeface="+mj-ea"/>
@@ -13267,6 +13375,24 @@
           <a:p>
             <a:pPr algn="l"/>
             <a:r>
+              <a:rPr lang="en-US" altLang="zh-CN">
+                <a:latin typeface="+mj-ea"/>
+                <a:ea typeface="+mj-ea"/>
+                <a:cs typeface="+mj-ea"/>
+                <a:sym typeface="+mn-ea"/>
+              </a:rPr>
+              <a:t>11</a:t>
+            </a:r>
+            <a:r>
+              <a:rPr lang="zh-CN" altLang="en-US">
+                <a:latin typeface="+mj-ea"/>
+                <a:ea typeface="+mj-ea"/>
+                <a:cs typeface="+mj-ea"/>
+                <a:sym typeface="+mn-ea"/>
+              </a:rPr>
+              <a:t>、</a:t>
+            </a:r>
+            <a:r>
               <a:rPr lang="zh-CN" altLang="en-US">
                 <a:latin typeface="+mj-ea"/>
                 <a:ea typeface="+mj-ea"/>
@@ -13302,6 +13428,24 @@
           <a:p>
             <a:pPr algn="l"/>
             <a:r>
+              <a:rPr lang="en-US" altLang="zh-CN">
+                <a:latin typeface="+mj-ea"/>
+                <a:ea typeface="+mj-ea"/>
+                <a:cs typeface="+mj-ea"/>
+                <a:sym typeface="+mn-ea"/>
+              </a:rPr>
+              <a:t>9</a:t>
+            </a:r>
+            <a:r>
+              <a:rPr lang="zh-CN" altLang="en-US">
+                <a:latin typeface="+mj-ea"/>
+                <a:ea typeface="+mj-ea"/>
+                <a:cs typeface="+mj-ea"/>
+                <a:sym typeface="+mn-ea"/>
+              </a:rPr>
+              <a:t>、</a:t>
+            </a:r>
+            <a:r>
               <a:rPr lang="zh-CN" altLang="en-US">
                 <a:latin typeface="+mj-ea"/>
                 <a:ea typeface="+mj-ea"/>
@@ -13357,6 +13501,24 @@
           <a:p>
             <a:pPr algn="l"/>
             <a:r>
+              <a:rPr lang="en-US" altLang="zh-CN">
+                <a:latin typeface="+mj-ea"/>
+                <a:ea typeface="+mj-ea"/>
+                <a:cs typeface="宋体" panose="02010600030101010101" pitchFamily="2" charset="-122"/>
+                <a:sym typeface="+mn-ea"/>
+              </a:rPr>
+              <a:t>10</a:t>
+            </a:r>
+            <a:r>
+              <a:rPr lang="zh-CN" altLang="en-US">
+                <a:latin typeface="+mj-ea"/>
+                <a:ea typeface="+mj-ea"/>
+                <a:cs typeface="宋体" panose="02010600030101010101" pitchFamily="2" charset="-122"/>
+                <a:sym typeface="+mn-ea"/>
+              </a:rPr>
+              <a:t>、</a:t>
+            </a:r>
+            <a:r>
               <a:rPr lang="zh-CN" altLang="en-US">
                 <a:latin typeface="+mj-ea"/>
                 <a:ea typeface="+mj-ea"/>
@@ -13392,6 +13554,24 @@
           <a:p>
             <a:pPr algn="l"/>
             <a:r>
+              <a:rPr lang="en-US" altLang="zh-CN">
+                <a:latin typeface="+mj-ea"/>
+                <a:ea typeface="+mj-ea"/>
+                <a:cs typeface="+mj-ea"/>
+                <a:sym typeface="+mn-ea"/>
+              </a:rPr>
+              <a:t>6</a:t>
+            </a:r>
+            <a:r>
+              <a:rPr lang="zh-CN" altLang="en-US">
+                <a:latin typeface="+mj-ea"/>
+                <a:ea typeface="+mj-ea"/>
+                <a:cs typeface="+mj-ea"/>
+                <a:sym typeface="+mn-ea"/>
+              </a:rPr>
+              <a:t>、</a:t>
+            </a:r>
+            <a:r>
               <a:rPr lang="zh-CN" altLang="en-US">
                 <a:latin typeface="+mj-ea"/>
                 <a:ea typeface="+mj-ea"/>
@@ -13429,6 +13609,24 @@
           <a:p>
             <a:pPr algn="l"/>
             <a:r>
+              <a:rPr lang="en-US" altLang="zh-CN">
+                <a:latin typeface="+mj-ea"/>
+                <a:ea typeface="+mj-ea"/>
+                <a:cs typeface="宋体" panose="02010600030101010101" pitchFamily="2" charset="-122"/>
+                <a:sym typeface="+mn-ea"/>
+              </a:rPr>
+              <a:t>12</a:t>
+            </a:r>
+            <a:r>
+              <a:rPr lang="zh-CN" altLang="en-US">
+                <a:latin typeface="+mj-ea"/>
+                <a:ea typeface="+mj-ea"/>
+                <a:cs typeface="宋体" panose="02010600030101010101" pitchFamily="2" charset="-122"/>
+                <a:sym typeface="+mn-ea"/>
+              </a:rPr>
+              <a:t>、</a:t>
+            </a:r>
+            <a:r>
               <a:rPr lang="zh-CN" altLang="en-US">
                 <a:latin typeface="+mj-ea"/>
                 <a:ea typeface="+mj-ea"/>
@@ -13470,6 +13668,24 @@
                 <a:cs typeface="宋体" panose="02010600030101010101" pitchFamily="2" charset="-122"/>
                 <a:sym typeface="+mn-ea"/>
               </a:rPr>
+              <a:t>14</a:t>
+            </a:r>
+            <a:r>
+              <a:rPr lang="zh-CN" altLang="en-US">
+                <a:latin typeface="+mj-ea"/>
+                <a:ea typeface="+mj-ea"/>
+                <a:cs typeface="宋体" panose="02010600030101010101" pitchFamily="2" charset="-122"/>
+                <a:sym typeface="+mn-ea"/>
+              </a:rPr>
+              <a:t>、</a:t>
+            </a:r>
+            <a:r>
+              <a:rPr lang="en-US" altLang="zh-CN">
+                <a:latin typeface="+mj-ea"/>
+                <a:ea typeface="+mj-ea"/>
+                <a:cs typeface="宋体" panose="02010600030101010101" pitchFamily="2" charset="-122"/>
+                <a:sym typeface="+mn-ea"/>
+              </a:rPr>
               <a:t>Lock </a:t>
             </a:r>
             <a:r>
@@ -13508,6 +13724,24 @@
           <a:p>
             <a:pPr algn="l"/>
             <a:r>
+              <a:rPr lang="en-US" altLang="zh-CN">
+                <a:latin typeface="+mj-ea"/>
+                <a:ea typeface="+mj-ea"/>
+                <a:cs typeface="+mj-ea"/>
+                <a:sym typeface="+mn-ea"/>
+              </a:rPr>
+              <a:t>13</a:t>
+            </a:r>
+            <a:r>
+              <a:rPr lang="zh-CN" altLang="en-US">
+                <a:latin typeface="+mj-ea"/>
+                <a:ea typeface="+mj-ea"/>
+                <a:cs typeface="+mj-ea"/>
+                <a:sym typeface="+mn-ea"/>
+              </a:rPr>
+              <a:t>、</a:t>
+            </a:r>
+            <a:r>
               <a:rPr lang="zh-CN" altLang="en-US">
                 <a:latin typeface="+mj-ea"/>
                 <a:ea typeface="+mj-ea"/>
@@ -13545,6 +13779,24 @@
           <a:p>
             <a:pPr algn="l"/>
             <a:r>
+              <a:rPr lang="en-US" altLang="zh-CN">
+                <a:latin typeface="+mj-ea"/>
+                <a:ea typeface="+mj-ea"/>
+                <a:cs typeface="+mj-ea"/>
+                <a:sym typeface="+mn-ea"/>
+              </a:rPr>
+              <a:t>18</a:t>
+            </a:r>
+            <a:r>
+              <a:rPr lang="zh-CN" altLang="en-US">
+                <a:latin typeface="+mj-ea"/>
+                <a:ea typeface="+mj-ea"/>
+                <a:cs typeface="+mj-ea"/>
+                <a:sym typeface="+mn-ea"/>
+              </a:rPr>
+              <a:t>、</a:t>
+            </a:r>
+            <a:r>
               <a:rPr lang="zh-CN" altLang="en-US">
                 <a:latin typeface="+mj-ea"/>
                 <a:ea typeface="+mj-ea"/>
@@ -13580,6 +13832,24 @@
           <a:p>
             <a:pPr algn="l"/>
             <a:r>
+              <a:rPr lang="en-US" altLang="zh-CN">
+                <a:latin typeface="+mj-ea"/>
+                <a:ea typeface="+mj-ea"/>
+                <a:cs typeface="+mj-ea"/>
+                <a:sym typeface="+mn-ea"/>
+              </a:rPr>
+              <a:t>20</a:t>
+            </a:r>
+            <a:r>
+              <a:rPr lang="zh-CN" altLang="en-US">
+                <a:latin typeface="+mj-ea"/>
+                <a:ea typeface="+mj-ea"/>
+                <a:cs typeface="+mj-ea"/>
+                <a:sym typeface="+mn-ea"/>
+              </a:rPr>
+              <a:t>、</a:t>
+            </a:r>
+            <a:r>
               <a:rPr lang="zh-CN" altLang="en-US">
                 <a:latin typeface="+mj-ea"/>
                 <a:ea typeface="+mj-ea"/>
@@ -13615,6 +13885,24 @@
           <a:p>
             <a:pPr algn="l"/>
             <a:r>
+              <a:rPr lang="en-US" altLang="zh-CN">
+                <a:latin typeface="+mj-ea"/>
+                <a:ea typeface="+mj-ea"/>
+                <a:cs typeface="+mj-ea"/>
+                <a:sym typeface="+mn-ea"/>
+              </a:rPr>
+              <a:t>19</a:t>
+            </a:r>
+            <a:r>
+              <a:rPr lang="zh-CN" altLang="en-US">
+                <a:latin typeface="+mj-ea"/>
+                <a:ea typeface="+mj-ea"/>
+                <a:cs typeface="+mj-ea"/>
+                <a:sym typeface="+mn-ea"/>
+              </a:rPr>
+              <a:t>、</a:t>
+            </a:r>
+            <a:r>
               <a:rPr lang="zh-CN" altLang="en-US">
                 <a:latin typeface="+mj-ea"/>
                 <a:ea typeface="+mj-ea"/>
@@ -13650,6 +13938,24 @@
           <a:p>
             <a:pPr algn="l"/>
             <a:r>
+              <a:rPr lang="en-US" altLang="zh-CN">
+                <a:latin typeface="+mj-ea"/>
+                <a:ea typeface="+mj-ea"/>
+                <a:cs typeface="+mj-ea"/>
+                <a:sym typeface="+mn-ea"/>
+              </a:rPr>
+              <a:t>15</a:t>
+            </a:r>
+            <a:r>
+              <a:rPr lang="zh-CN" altLang="en-US">
+                <a:latin typeface="+mj-ea"/>
+                <a:ea typeface="+mj-ea"/>
+                <a:cs typeface="+mj-ea"/>
+                <a:sym typeface="+mn-ea"/>
+              </a:rPr>
+              <a:t>、</a:t>
+            </a:r>
+            <a:r>
               <a:rPr lang="zh-CN" altLang="en-US">
                 <a:latin typeface="+mj-ea"/>
                 <a:ea typeface="+mj-ea"/>
@@ -13712,6 +14018,24 @@
           <a:p>
             <a:pPr algn="l"/>
             <a:r>
+              <a:rPr lang="en-US" altLang="zh-CN">
+                <a:latin typeface="+mj-ea"/>
+                <a:ea typeface="+mj-ea"/>
+                <a:cs typeface="+mj-ea"/>
+                <a:sym typeface="+mn-ea"/>
+              </a:rPr>
+              <a:t>7</a:t>
+            </a:r>
+            <a:r>
+              <a:rPr lang="zh-CN" altLang="en-US">
+                <a:latin typeface="+mj-ea"/>
+                <a:ea typeface="+mj-ea"/>
+                <a:cs typeface="+mj-ea"/>
+                <a:sym typeface="+mn-ea"/>
+              </a:rPr>
+              <a:t>、</a:t>
+            </a:r>
+            <a:r>
               <a:rPr lang="zh-CN" altLang="en-US">
                 <a:latin typeface="+mj-ea"/>
                 <a:ea typeface="+mj-ea"/>
@@ -13747,6 +14071,24 @@
           <a:p>
             <a:pPr algn="l"/>
             <a:r>
+              <a:rPr lang="en-US" altLang="zh-CN">
+                <a:latin typeface="+mj-ea"/>
+                <a:ea typeface="+mj-ea"/>
+                <a:cs typeface="+mj-ea"/>
+                <a:sym typeface="+mn-ea"/>
+              </a:rPr>
+              <a:t>16</a:t>
+            </a:r>
+            <a:r>
+              <a:rPr lang="zh-CN" altLang="en-US">
+                <a:latin typeface="+mj-ea"/>
+                <a:ea typeface="+mj-ea"/>
+                <a:cs typeface="+mj-ea"/>
+                <a:sym typeface="+mn-ea"/>
+              </a:rPr>
+              <a:t>、</a:t>
+            </a:r>
+            <a:r>
               <a:rPr lang="zh-CN">
                 <a:latin typeface="+mj-ea"/>
                 <a:ea typeface="+mj-ea"/>
@@ -13804,6 +14146,24 @@
           </a:bodyPr>
           <a:p>
             <a:pPr algn="l"/>
+            <a:r>
+              <a:rPr lang="en-US" altLang="zh-CN">
+                <a:latin typeface="+mj-ea"/>
+                <a:ea typeface="+mj-ea"/>
+                <a:cs typeface="+mj-ea"/>
+                <a:sym typeface="+mn-ea"/>
+              </a:rPr>
+              <a:t>17</a:t>
+            </a:r>
+            <a:r>
+              <a:rPr lang="zh-CN" altLang="en-US">
+                <a:latin typeface="+mj-ea"/>
+                <a:ea typeface="+mj-ea"/>
+                <a:cs typeface="+mj-ea"/>
+                <a:sym typeface="+mn-ea"/>
+              </a:rPr>
+              <a:t>、</a:t>
+            </a:r>
             <a:r>
               <a:rPr lang="zh-CN">
                 <a:latin typeface="+mj-ea"/>
